--- a/Budget Daily.pptx
+++ b/Budget Daily.pptx
@@ -6,6 +6,7 @@
   </p:sldMasterIdLst>
   <p:sldIdLst>
     <p:sldId id="256" r:id="rId2"/>
+    <p:sldId id="257" r:id="rId3"/>
   </p:sldIdLst>
   <p:sldSz cx="9144000" cy="6858000" type="screen4x3"/>
   <p:notesSz cx="6858000" cy="9144000"/>
@@ -292,7 +293,7 @@
           <a:p>
             <a:fld id="{DA2B1C1C-4D8E-426C-9723-748B10262B00}" type="datetimeFigureOut">
               <a:rPr lang="en-US" smtClean="0"/>
-              <a:t>11/17/2019</a:t>
+              <a:t>11/28/2019</a:t>
             </a:fld>
             <a:endParaRPr lang="en-US"/>
           </a:p>
@@ -469,7 +470,7 @@
           <a:p>
             <a:fld id="{DA2B1C1C-4D8E-426C-9723-748B10262B00}" type="datetimeFigureOut">
               <a:rPr lang="en-US" smtClean="0"/>
-              <a:t>11/17/2019</a:t>
+              <a:t>11/28/2019</a:t>
             </a:fld>
             <a:endParaRPr lang="en-US"/>
           </a:p>
@@ -651,7 +652,7 @@
           <a:p>
             <a:fld id="{DA2B1C1C-4D8E-426C-9723-748B10262B00}" type="datetimeFigureOut">
               <a:rPr lang="en-US" smtClean="0"/>
-              <a:t>11/17/2019</a:t>
+              <a:t>11/28/2019</a:t>
             </a:fld>
             <a:endParaRPr lang="en-US"/>
           </a:p>
@@ -860,7 +861,7 @@
           <a:p>
             <a:fld id="{DA2B1C1C-4D8E-426C-9723-748B10262B00}" type="datetimeFigureOut">
               <a:rPr lang="en-US" smtClean="0"/>
-              <a:t>11/17/2019</a:t>
+              <a:t>11/28/2019</a:t>
             </a:fld>
             <a:endParaRPr lang="en-US"/>
           </a:p>
@@ -1108,7 +1109,7 @@
           <a:p>
             <a:fld id="{DA2B1C1C-4D8E-426C-9723-748B10262B00}" type="datetimeFigureOut">
               <a:rPr lang="en-US" smtClean="0"/>
-              <a:t>11/17/2019</a:t>
+              <a:t>11/28/2019</a:t>
             </a:fld>
             <a:endParaRPr lang="en-US"/>
           </a:p>
@@ -1425,7 +1426,7 @@
           <a:p>
             <a:fld id="{DA2B1C1C-4D8E-426C-9723-748B10262B00}" type="datetimeFigureOut">
               <a:rPr lang="en-US" smtClean="0"/>
-              <a:t>11/17/2019</a:t>
+              <a:t>11/28/2019</a:t>
             </a:fld>
             <a:endParaRPr lang="en-US"/>
           </a:p>
@@ -1875,7 +1876,7 @@
           <a:p>
             <a:fld id="{DA2B1C1C-4D8E-426C-9723-748B10262B00}" type="datetimeFigureOut">
               <a:rPr lang="en-US" smtClean="0"/>
-              <a:t>11/17/2019</a:t>
+              <a:t>11/28/2019</a:t>
             </a:fld>
             <a:endParaRPr lang="en-US"/>
           </a:p>
@@ -1995,7 +1996,7 @@
           <a:p>
             <a:fld id="{DA2B1C1C-4D8E-426C-9723-748B10262B00}" type="datetimeFigureOut">
               <a:rPr lang="en-US" smtClean="0"/>
-              <a:t>11/17/2019</a:t>
+              <a:t>11/28/2019</a:t>
             </a:fld>
             <a:endParaRPr lang="en-US"/>
           </a:p>
@@ -2092,7 +2093,7 @@
           <a:p>
             <a:fld id="{DA2B1C1C-4D8E-426C-9723-748B10262B00}" type="datetimeFigureOut">
               <a:rPr lang="en-US" smtClean="0"/>
-              <a:t>11/17/2019</a:t>
+              <a:t>11/28/2019</a:t>
             </a:fld>
             <a:endParaRPr lang="en-US"/>
           </a:p>
@@ -2384,7 +2385,7 @@
           <a:p>
             <a:fld id="{DA2B1C1C-4D8E-426C-9723-748B10262B00}" type="datetimeFigureOut">
               <a:rPr lang="en-US" smtClean="0"/>
-              <a:t>11/17/2019</a:t>
+              <a:t>11/28/2019</a:t>
             </a:fld>
             <a:endParaRPr lang="en-US"/>
           </a:p>
@@ -2582,7 +2583,7 @@
           <a:p>
             <a:fld id="{DA2B1C1C-4D8E-426C-9723-748B10262B00}" type="datetimeFigureOut">
               <a:rPr lang="en-US" smtClean="0"/>
-              <a:t>11/17/2019</a:t>
+              <a:t>11/28/2019</a:t>
             </a:fld>
             <a:endParaRPr lang="en-US"/>
           </a:p>
@@ -7140,7 +7141,7 @@
           <a:p>
             <a:fld id="{DA2B1C1C-4D8E-426C-9723-748B10262B00}" type="datetimeFigureOut">
               <a:rPr lang="en-US" smtClean="0"/>
-              <a:t>11/17/2019</a:t>
+              <a:t>11/28/2019</a:t>
             </a:fld>
             <a:endParaRPr lang="en-US"/>
           </a:p>
@@ -8549,6 +8550,189 @@
 </p:sld>
 </file>
 
+<file path=ppt/slides/slide2.xml><?xml version="1.0" encoding="utf-8"?>
+<p:sld xmlns:a="http://schemas.openxmlformats.org/drawingml/2006/main" xmlns:r="http://schemas.openxmlformats.org/officeDocument/2006/relationships" xmlns:p="http://schemas.openxmlformats.org/presentationml/2006/main">
+  <p:cSld>
+    <p:spTree>
+      <p:nvGrpSpPr>
+        <p:cNvPr id="1" name=""/>
+        <p:cNvGrpSpPr/>
+        <p:nvPr/>
+      </p:nvGrpSpPr>
+      <p:grpSpPr>
+        <a:xfrm>
+          <a:off x="0" y="0"/>
+          <a:ext cx="0" cy="0"/>
+          <a:chOff x="0" y="0"/>
+          <a:chExt cx="0" cy="0"/>
+        </a:xfrm>
+      </p:grpSpPr>
+      <p:sp>
+        <p:nvSpPr>
+          <p:cNvPr id="2" name="Title 1"/>
+          <p:cNvSpPr>
+            <a:spLocks noGrp="1"/>
+          </p:cNvSpPr>
+          <p:nvPr>
+            <p:ph type="title"/>
+          </p:nvPr>
+        </p:nvSpPr>
+        <p:spPr/>
+        <p:txBody>
+          <a:bodyPr/>
+          <a:lstStyle/>
+          <a:p>
+            <a:r>
+              <a:rPr lang="en-US" dirty="0" smtClean="0"/>
+              <a:t>Presentation</a:t>
+            </a:r>
+            <a:endParaRPr lang="en-US" dirty="0"/>
+          </a:p>
+        </p:txBody>
+      </p:sp>
+      <p:sp>
+        <p:nvSpPr>
+          <p:cNvPr id="3" name="Content Placeholder 2"/>
+          <p:cNvSpPr>
+            <a:spLocks noGrp="1"/>
+          </p:cNvSpPr>
+          <p:nvPr>
+            <p:ph idx="1"/>
+          </p:nvPr>
+        </p:nvSpPr>
+        <p:spPr/>
+        <p:txBody>
+          <a:bodyPr/>
+          <a:lstStyle/>
+          <a:p>
+            <a:r>
+              <a:rPr lang="en-US" dirty="0" smtClean="0"/>
+              <a:t>My Computer would not let me input my screen capture video into this </a:t>
+            </a:r>
+            <a:r>
+              <a:rPr lang="en-US" dirty="0" err="1" smtClean="0"/>
+              <a:t>powerpoint</a:t>
+            </a:r>
+            <a:r>
+              <a:rPr lang="en-US" dirty="0" smtClean="0"/>
+              <a:t>, but I was able to create this link to a location that would play the video.</a:t>
+            </a:r>
+          </a:p>
+          <a:p>
+            <a:r>
+              <a:rPr lang="en-US" dirty="0"/>
+              <a:t>  </a:t>
+            </a:r>
+            <a:r>
+              <a:rPr lang="en-US" dirty="0">
+                <a:hlinkClick r:id="rId2"/>
+              </a:rPr>
+              <a:t>https://docs.google.com/file/d/1JGqijwCs53T9afERzwA9crRNNYYaz7gz/preview</a:t>
+            </a:r>
+            <a:r>
+              <a:rPr lang="en-US" dirty="0"/>
+              <a:t>  </a:t>
+            </a:r>
+          </a:p>
+        </p:txBody>
+      </p:sp>
+      <p:sp>
+        <p:nvSpPr>
+          <p:cNvPr id="4" name="Rectangle 3"/>
+          <p:cNvSpPr/>
+          <p:nvPr/>
+        </p:nvSpPr>
+        <p:spPr>
+          <a:xfrm>
+            <a:off x="4438790" y="3244334"/>
+            <a:ext cx="266420" cy="369332"/>
+          </a:xfrm>
+          <a:prstGeom prst="rect">
+            <a:avLst/>
+          </a:prstGeom>
+        </p:spPr>
+        <p:txBody>
+          <a:bodyPr wrap="none">
+            <a:spAutoFit/>
+          </a:bodyPr>
+          <a:lstStyle/>
+          <a:p>
+            <a:r>
+              <a:rPr lang="en-US" dirty="0"/>
+              <a:t> </a:t>
+            </a:r>
+          </a:p>
+        </p:txBody>
+      </p:sp>
+      <p:sp>
+        <p:nvSpPr>
+          <p:cNvPr id="5" name="Rectangle 4"/>
+          <p:cNvSpPr/>
+          <p:nvPr/>
+        </p:nvSpPr>
+        <p:spPr>
+          <a:xfrm>
+            <a:off x="4438790" y="3244334"/>
+            <a:ext cx="266420" cy="369332"/>
+          </a:xfrm>
+          <a:prstGeom prst="rect">
+            <a:avLst/>
+          </a:prstGeom>
+        </p:spPr>
+        <p:txBody>
+          <a:bodyPr wrap="none">
+            <a:spAutoFit/>
+          </a:bodyPr>
+          <a:lstStyle/>
+          <a:p>
+            <a:r>
+              <a:rPr lang="en-US" dirty="0"/>
+              <a:t> </a:t>
+            </a:r>
+          </a:p>
+        </p:txBody>
+      </p:sp>
+      <p:sp>
+        <p:nvSpPr>
+          <p:cNvPr id="6" name="Rectangle 5"/>
+          <p:cNvSpPr/>
+          <p:nvPr/>
+        </p:nvSpPr>
+        <p:spPr>
+          <a:xfrm>
+            <a:off x="4438790" y="3244334"/>
+            <a:ext cx="266420" cy="369332"/>
+          </a:xfrm>
+          <a:prstGeom prst="rect">
+            <a:avLst/>
+          </a:prstGeom>
+        </p:spPr>
+        <p:txBody>
+          <a:bodyPr wrap="none">
+            <a:spAutoFit/>
+          </a:bodyPr>
+          <a:lstStyle/>
+          <a:p>
+            <a:r>
+              <a:rPr lang="en-US" dirty="0"/>
+              <a:t> </a:t>
+            </a:r>
+          </a:p>
+        </p:txBody>
+      </p:sp>
+    </p:spTree>
+    <p:extLst>
+      <p:ext uri="{BB962C8B-B14F-4D97-AF65-F5344CB8AC3E}">
+        <p14:creationId xmlns:p14="http://schemas.microsoft.com/office/powerpoint/2010/main" val="1141115374"/>
+      </p:ext>
+    </p:extLst>
+  </p:cSld>
+  <p:clrMapOvr>
+    <a:masterClrMapping/>
+  </p:clrMapOvr>
+</p:sld>
+</file>
+
 <file path=ppt/theme/theme1.xml><?xml version="1.0" encoding="utf-8"?>
 <a:theme xmlns:a="http://schemas.openxmlformats.org/drawingml/2006/main" name="Summer">
   <a:themeElements>

--- a/Budget Daily.pptx
+++ b/Budget Daily.pptx
@@ -6,7 +6,6 @@
   </p:sldMasterIdLst>
   <p:sldIdLst>
     <p:sldId id="256" r:id="rId2"/>
-    <p:sldId id="257" r:id="rId3"/>
   </p:sldIdLst>
   <p:sldSz cx="9144000" cy="6858000" type="screen4x3"/>
   <p:notesSz cx="6858000" cy="9144000"/>
@@ -8550,189 +8549,6 @@
 </p:sld>
 </file>
 
-<file path=ppt/slides/slide2.xml><?xml version="1.0" encoding="utf-8"?>
-<p:sld xmlns:a="http://schemas.openxmlformats.org/drawingml/2006/main" xmlns:r="http://schemas.openxmlformats.org/officeDocument/2006/relationships" xmlns:p="http://schemas.openxmlformats.org/presentationml/2006/main">
-  <p:cSld>
-    <p:spTree>
-      <p:nvGrpSpPr>
-        <p:cNvPr id="1" name=""/>
-        <p:cNvGrpSpPr/>
-        <p:nvPr/>
-      </p:nvGrpSpPr>
-      <p:grpSpPr>
-        <a:xfrm>
-          <a:off x="0" y="0"/>
-          <a:ext cx="0" cy="0"/>
-          <a:chOff x="0" y="0"/>
-          <a:chExt cx="0" cy="0"/>
-        </a:xfrm>
-      </p:grpSpPr>
-      <p:sp>
-        <p:nvSpPr>
-          <p:cNvPr id="2" name="Title 1"/>
-          <p:cNvSpPr>
-            <a:spLocks noGrp="1"/>
-          </p:cNvSpPr>
-          <p:nvPr>
-            <p:ph type="title"/>
-          </p:nvPr>
-        </p:nvSpPr>
-        <p:spPr/>
-        <p:txBody>
-          <a:bodyPr/>
-          <a:lstStyle/>
-          <a:p>
-            <a:r>
-              <a:rPr lang="en-US" dirty="0" smtClean="0"/>
-              <a:t>Presentation</a:t>
-            </a:r>
-            <a:endParaRPr lang="en-US" dirty="0"/>
-          </a:p>
-        </p:txBody>
-      </p:sp>
-      <p:sp>
-        <p:nvSpPr>
-          <p:cNvPr id="3" name="Content Placeholder 2"/>
-          <p:cNvSpPr>
-            <a:spLocks noGrp="1"/>
-          </p:cNvSpPr>
-          <p:nvPr>
-            <p:ph idx="1"/>
-          </p:nvPr>
-        </p:nvSpPr>
-        <p:spPr/>
-        <p:txBody>
-          <a:bodyPr/>
-          <a:lstStyle/>
-          <a:p>
-            <a:r>
-              <a:rPr lang="en-US" dirty="0" smtClean="0"/>
-              <a:t>My Computer would not let me input my screen capture video into this </a:t>
-            </a:r>
-            <a:r>
-              <a:rPr lang="en-US" dirty="0" err="1" smtClean="0"/>
-              <a:t>powerpoint</a:t>
-            </a:r>
-            <a:r>
-              <a:rPr lang="en-US" dirty="0" smtClean="0"/>
-              <a:t>, but I was able to create this link to a location that would play the video.</a:t>
-            </a:r>
-          </a:p>
-          <a:p>
-            <a:r>
-              <a:rPr lang="en-US" dirty="0"/>
-              <a:t>  </a:t>
-            </a:r>
-            <a:r>
-              <a:rPr lang="en-US" dirty="0">
-                <a:hlinkClick r:id="rId2"/>
-              </a:rPr>
-              <a:t>https://docs.google.com/file/d/1JGqijwCs53T9afERzwA9crRNNYYaz7gz/preview</a:t>
-            </a:r>
-            <a:r>
-              <a:rPr lang="en-US" dirty="0"/>
-              <a:t>  </a:t>
-            </a:r>
-          </a:p>
-        </p:txBody>
-      </p:sp>
-      <p:sp>
-        <p:nvSpPr>
-          <p:cNvPr id="4" name="Rectangle 3"/>
-          <p:cNvSpPr/>
-          <p:nvPr/>
-        </p:nvSpPr>
-        <p:spPr>
-          <a:xfrm>
-            <a:off x="4438790" y="3244334"/>
-            <a:ext cx="266420" cy="369332"/>
-          </a:xfrm>
-          <a:prstGeom prst="rect">
-            <a:avLst/>
-          </a:prstGeom>
-        </p:spPr>
-        <p:txBody>
-          <a:bodyPr wrap="none">
-            <a:spAutoFit/>
-          </a:bodyPr>
-          <a:lstStyle/>
-          <a:p>
-            <a:r>
-              <a:rPr lang="en-US" dirty="0"/>
-              <a:t> </a:t>
-            </a:r>
-          </a:p>
-        </p:txBody>
-      </p:sp>
-      <p:sp>
-        <p:nvSpPr>
-          <p:cNvPr id="5" name="Rectangle 4"/>
-          <p:cNvSpPr/>
-          <p:nvPr/>
-        </p:nvSpPr>
-        <p:spPr>
-          <a:xfrm>
-            <a:off x="4438790" y="3244334"/>
-            <a:ext cx="266420" cy="369332"/>
-          </a:xfrm>
-          <a:prstGeom prst="rect">
-            <a:avLst/>
-          </a:prstGeom>
-        </p:spPr>
-        <p:txBody>
-          <a:bodyPr wrap="none">
-            <a:spAutoFit/>
-          </a:bodyPr>
-          <a:lstStyle/>
-          <a:p>
-            <a:r>
-              <a:rPr lang="en-US" dirty="0"/>
-              <a:t> </a:t>
-            </a:r>
-          </a:p>
-        </p:txBody>
-      </p:sp>
-      <p:sp>
-        <p:nvSpPr>
-          <p:cNvPr id="6" name="Rectangle 5"/>
-          <p:cNvSpPr/>
-          <p:nvPr/>
-        </p:nvSpPr>
-        <p:spPr>
-          <a:xfrm>
-            <a:off x="4438790" y="3244334"/>
-            <a:ext cx="266420" cy="369332"/>
-          </a:xfrm>
-          <a:prstGeom prst="rect">
-            <a:avLst/>
-          </a:prstGeom>
-        </p:spPr>
-        <p:txBody>
-          <a:bodyPr wrap="none">
-            <a:spAutoFit/>
-          </a:bodyPr>
-          <a:lstStyle/>
-          <a:p>
-            <a:r>
-              <a:rPr lang="en-US" dirty="0"/>
-              <a:t> </a:t>
-            </a:r>
-          </a:p>
-        </p:txBody>
-      </p:sp>
-    </p:spTree>
-    <p:extLst>
-      <p:ext uri="{BB962C8B-B14F-4D97-AF65-F5344CB8AC3E}">
-        <p14:creationId xmlns:p14="http://schemas.microsoft.com/office/powerpoint/2010/main" val="1141115374"/>
-      </p:ext>
-    </p:extLst>
-  </p:cSld>
-  <p:clrMapOvr>
-    <a:masterClrMapping/>
-  </p:clrMapOvr>
-</p:sld>
-</file>
-
 <file path=ppt/theme/theme1.xml><?xml version="1.0" encoding="utf-8"?>
 <a:theme xmlns:a="http://schemas.openxmlformats.org/drawingml/2006/main" name="Summer">
   <a:themeElements>
